--- a/website/Tutorial_Presentation/Forth_Tutorial_3PC3.pptx
+++ b/website/Tutorial_Presentation/Forth_Tutorial_3PC3.pptx
@@ -3558,81 +3558,6 @@
   <p:clrMapOvr>
     <a:masterClrMapping/>
   </p:clrMapOvr>
-  <p:timing>
-    <p:tnLst>
-      <p:par>
-        <p:cTn id="1" dur="indefinite" restart="never" nodeType="tmRoot">
-          <p:childTnLst>
-            <p:seq concurrent="1" nextAc="seek">
-              <p:cTn id="2" dur="indefinite" nodeType="mainSeq">
-                <p:childTnLst>
-                  <p:par>
-                    <p:cTn id="3" fill="hold">
-                      <p:stCondLst>
-                        <p:cond delay="indefinite"/>
-                      </p:stCondLst>
-                      <p:childTnLst>
-                        <p:par>
-                          <p:cTn id="4" fill="hold">
-                            <p:stCondLst>
-                              <p:cond delay="0"/>
-                            </p:stCondLst>
-                            <p:childTnLst>
-                              <p:par>
-                                <p:cTn id="5" presetID="1" presetClass="entr" presetSubtype="0" fill="hold" nodeType="clickEffect">
-                                  <p:stCondLst>
-                                    <p:cond delay="0"/>
-                                  </p:stCondLst>
-                                  <p:childTnLst>
-                                    <p:set>
-                                      <p:cBhvr>
-                                        <p:cTn id="6" dur="1" fill="hold">
-                                          <p:stCondLst>
-                                            <p:cond delay="0"/>
-                                          </p:stCondLst>
-                                        </p:cTn>
-                                        <p:tgtEl>
-                                          <p:spTgt spid="4"/>
-                                        </p:tgtEl>
-                                        <p:attrNameLst>
-                                          <p:attrName>style.visibility</p:attrName>
-                                        </p:attrNameLst>
-                                      </p:cBhvr>
-                                      <p:to>
-                                        <p:strVal val="visible"/>
-                                      </p:to>
-                                    </p:set>
-                                  </p:childTnLst>
-                                </p:cTn>
-                              </p:par>
-                            </p:childTnLst>
-                          </p:cTn>
-                        </p:par>
-                      </p:childTnLst>
-                    </p:cTn>
-                  </p:par>
-                </p:childTnLst>
-              </p:cTn>
-              <p:prevCondLst>
-                <p:cond evt="onPrev" delay="0">
-                  <p:tgtEl>
-                    <p:sldTgt/>
-                  </p:tgtEl>
-                </p:cond>
-              </p:prevCondLst>
-              <p:nextCondLst>
-                <p:cond evt="onNext" delay="0">
-                  <p:tgtEl>
-                    <p:sldTgt/>
-                  </p:tgtEl>
-                </p:cond>
-              </p:nextCondLst>
-            </p:seq>
-          </p:childTnLst>
-        </p:cTn>
-      </p:par>
-    </p:tnLst>
-  </p:timing>
 </p:sld>
 </file>
 
@@ -4010,6 +3935,84 @@
   <p:clrMapOvr>
     <a:masterClrMapping/>
   </p:clrMapOvr>
+  <p:timing>
+    <p:tnLst>
+      <p:par>
+        <p:cTn id="1" dur="indefinite" restart="never" nodeType="tmRoot">
+          <p:childTnLst>
+            <p:seq concurrent="1" nextAc="seek">
+              <p:cTn id="2" dur="indefinite" nodeType="mainSeq">
+                <p:childTnLst>
+                  <p:par>
+                    <p:cTn id="3" fill="hold">
+                      <p:stCondLst>
+                        <p:cond delay="indefinite"/>
+                      </p:stCondLst>
+                      <p:childTnLst>
+                        <p:par>
+                          <p:cTn id="4" fill="hold">
+                            <p:stCondLst>
+                              <p:cond delay="0"/>
+                            </p:stCondLst>
+                            <p:childTnLst>
+                              <p:par>
+                                <p:cTn id="5" presetID="1" presetClass="entr" presetSubtype="0" fill="hold" grpId="0" nodeType="clickEffect">
+                                  <p:stCondLst>
+                                    <p:cond delay="0"/>
+                                  </p:stCondLst>
+                                  <p:childTnLst>
+                                    <p:set>
+                                      <p:cBhvr>
+                                        <p:cTn id="6" dur="1" fill="hold">
+                                          <p:stCondLst>
+                                            <p:cond delay="0"/>
+                                          </p:stCondLst>
+                                        </p:cTn>
+                                        <p:tgtEl>
+                                          <p:spTgt spid="7"/>
+                                        </p:tgtEl>
+                                        <p:attrNameLst>
+                                          <p:attrName>style.visibility</p:attrName>
+                                        </p:attrNameLst>
+                                      </p:cBhvr>
+                                      <p:to>
+                                        <p:strVal val="visible"/>
+                                      </p:to>
+                                    </p:set>
+                                  </p:childTnLst>
+                                </p:cTn>
+                              </p:par>
+                            </p:childTnLst>
+                          </p:cTn>
+                        </p:par>
+                      </p:childTnLst>
+                    </p:cTn>
+                  </p:par>
+                </p:childTnLst>
+              </p:cTn>
+              <p:prevCondLst>
+                <p:cond evt="onPrev" delay="0">
+                  <p:tgtEl>
+                    <p:sldTgt/>
+                  </p:tgtEl>
+                </p:cond>
+              </p:prevCondLst>
+              <p:nextCondLst>
+                <p:cond evt="onNext" delay="0">
+                  <p:tgtEl>
+                    <p:sldTgt/>
+                  </p:tgtEl>
+                </p:cond>
+              </p:nextCondLst>
+            </p:seq>
+          </p:childTnLst>
+        </p:cTn>
+      </p:par>
+    </p:tnLst>
+    <p:bldLst>
+      <p:bldP spid="7" grpId="0"/>
+    </p:bldLst>
+  </p:timing>
 </p:sld>
 </file>
 
@@ -4088,10 +4091,10 @@
       </p:sp>
       <p:pic>
         <p:nvPicPr>
-          <p:cNvPr id="4" name="Picture 3">
-            <a:extLst>
-              <a:ext uri="{FF2B5EF4-FFF2-40B4-BE49-F238E27FC236}">
-                <a16:creationId xmlns:a16="http://schemas.microsoft.com/office/drawing/2014/main" id="{1B99C2E0-F1FA-091C-0210-B005B6671CDA}"/>
+          <p:cNvPr id="5" name="Picture 4">
+            <a:extLst>
+              <a:ext uri="{FF2B5EF4-FFF2-40B4-BE49-F238E27FC236}">
+                <a16:creationId xmlns:a16="http://schemas.microsoft.com/office/drawing/2014/main" id="{5C258694-6330-961D-2CF0-034C86E74863}"/>
               </a:ext>
             </a:extLst>
           </p:cNvPr>
@@ -4108,89 +4111,29 @@
         </p:blipFill>
         <p:spPr>
           <a:xfrm>
-            <a:off x="2209800" y="2876282"/>
-            <a:ext cx="7772400" cy="3217263"/>
+            <a:off x="2952448" y="2686538"/>
+            <a:ext cx="4563533" cy="3490425"/>
           </a:xfrm>
           <a:prstGeom prst="rect">
             <a:avLst/>
           </a:prstGeom>
         </p:spPr>
       </p:pic>
-    </p:spTree>
-    <p:extLst>
-      <p:ext uri="{BB962C8B-B14F-4D97-AF65-F5344CB8AC3E}">
-        <p14:creationId xmlns:p14="http://schemas.microsoft.com/office/powerpoint/2010/main" val="2345254731"/>
-      </p:ext>
-    </p:extLst>
-  </p:cSld>
-  <p:clrMapOvr>
-    <a:masterClrMapping/>
-  </p:clrMapOvr>
-</p:sld>
-</file>
-
-<file path=ppt/slides/slide4.xml><?xml version="1.0" encoding="utf-8"?>
-<p:sld xmlns:a="http://schemas.openxmlformats.org/drawingml/2006/main" xmlns:r="http://schemas.openxmlformats.org/officeDocument/2006/relationships" xmlns:p="http://schemas.openxmlformats.org/presentationml/2006/main">
-  <p:cSld>
-    <p:spTree>
-      <p:nvGrpSpPr>
-        <p:cNvPr id="1" name=""/>
-        <p:cNvGrpSpPr/>
-        <p:nvPr/>
-      </p:nvGrpSpPr>
-      <p:grpSpPr>
-        <a:xfrm>
-          <a:off x="0" y="0"/>
-          <a:ext cx="0" cy="0"/>
-          <a:chOff x="0" y="0"/>
-          <a:chExt cx="0" cy="0"/>
-        </a:xfrm>
-      </p:grpSpPr>
-      <p:pic>
-        <p:nvPicPr>
-          <p:cNvPr id="4" name="Picture 3">
-            <a:extLst>
-              <a:ext uri="{FF2B5EF4-FFF2-40B4-BE49-F238E27FC236}">
-                <a16:creationId xmlns:a16="http://schemas.microsoft.com/office/drawing/2014/main" id="{CBE009FD-B15E-2D2B-F030-A68BFAAB78DD}"/>
-              </a:ext>
-            </a:extLst>
-          </p:cNvPr>
-          <p:cNvPicPr>
-            <a:picLocks noChangeAspect="1"/>
-          </p:cNvPicPr>
+      <p:sp>
+        <p:nvSpPr>
+          <p:cNvPr id="6" name="TextBox 5">
+            <a:extLst>
+              <a:ext uri="{FF2B5EF4-FFF2-40B4-BE49-F238E27FC236}">
+                <a16:creationId xmlns:a16="http://schemas.microsoft.com/office/drawing/2014/main" id="{698F792C-37E9-813D-FCB9-CEDA5C515D40}"/>
+              </a:ext>
+            </a:extLst>
+          </p:cNvPr>
+          <p:cNvSpPr txBox="1"/>
           <p:nvPr/>
-        </p:nvPicPr>
-        <p:blipFill>
-          <a:blip r:embed="rId2"/>
-          <a:stretch>
-            <a:fillRect/>
-          </a:stretch>
-        </p:blipFill>
+        </p:nvSpPr>
         <p:spPr>
           <a:xfrm>
-            <a:off x="406400" y="302078"/>
-            <a:ext cx="5308600" cy="4060291"/>
-          </a:xfrm>
-          <a:prstGeom prst="rect">
-            <a:avLst/>
-          </a:prstGeom>
-        </p:spPr>
-      </p:pic>
-      <p:sp>
-        <p:nvSpPr>
-          <p:cNvPr id="5" name="TextBox 4">
-            <a:extLst>
-              <a:ext uri="{FF2B5EF4-FFF2-40B4-BE49-F238E27FC236}">
-                <a16:creationId xmlns:a16="http://schemas.microsoft.com/office/drawing/2014/main" id="{95CC23BD-002A-EBA0-E013-79383B0D77DE}"/>
-              </a:ext>
-            </a:extLst>
-          </p:cNvPr>
-          <p:cNvSpPr txBox="1"/>
-          <p:nvPr/>
-        </p:nvSpPr>
-        <p:spPr>
-          <a:xfrm>
-            <a:off x="936171" y="4626429"/>
+            <a:off x="3850083" y="6123543"/>
             <a:ext cx="3548743" cy="369332"/>
           </a:xfrm>
           <a:prstGeom prst="rect">
@@ -4211,692 +4154,10 @@
           </a:p>
         </p:txBody>
       </p:sp>
-      <p:pic>
-        <p:nvPicPr>
-          <p:cNvPr id="6" name="Picture 5">
-            <a:extLst>
-              <a:ext uri="{FF2B5EF4-FFF2-40B4-BE49-F238E27FC236}">
-                <a16:creationId xmlns:a16="http://schemas.microsoft.com/office/drawing/2014/main" id="{6EFFC3F6-7C27-E361-5517-7E262DC2BFEB}"/>
-              </a:ext>
-            </a:extLst>
-          </p:cNvPr>
-          <p:cNvPicPr>
-            <a:picLocks noChangeAspect="1"/>
-          </p:cNvPicPr>
-          <p:nvPr/>
-        </p:nvPicPr>
-        <p:blipFill>
-          <a:blip r:embed="rId3"/>
-          <a:stretch>
-            <a:fillRect/>
-          </a:stretch>
-        </p:blipFill>
-        <p:spPr>
-          <a:xfrm>
-            <a:off x="5244454" y="2332701"/>
-            <a:ext cx="6947546" cy="1901842"/>
-          </a:xfrm>
-          <a:prstGeom prst="rect">
-            <a:avLst/>
-          </a:prstGeom>
-        </p:spPr>
-      </p:pic>
     </p:spTree>
     <p:extLst>
       <p:ext uri="{BB962C8B-B14F-4D97-AF65-F5344CB8AC3E}">
-        <p14:creationId xmlns:p14="http://schemas.microsoft.com/office/powerpoint/2010/main" val="1358513779"/>
-      </p:ext>
-    </p:extLst>
-  </p:cSld>
-  <p:clrMapOvr>
-    <a:masterClrMapping/>
-  </p:clrMapOvr>
-</p:sld>
-</file>
-
-<file path=ppt/slides/slide5.xml><?xml version="1.0" encoding="utf-8"?>
-<p:sld xmlns:a="http://schemas.openxmlformats.org/drawingml/2006/main" xmlns:r="http://schemas.openxmlformats.org/officeDocument/2006/relationships" xmlns:p="http://schemas.openxmlformats.org/presentationml/2006/main">
-  <p:cSld>
-    <p:spTree>
-      <p:nvGrpSpPr>
-        <p:cNvPr id="1" name=""/>
-        <p:cNvGrpSpPr/>
-        <p:nvPr/>
-      </p:nvGrpSpPr>
-      <p:grpSpPr>
-        <a:xfrm>
-          <a:off x="0" y="0"/>
-          <a:ext cx="0" cy="0"/>
-          <a:chOff x="0" y="0"/>
-          <a:chExt cx="0" cy="0"/>
-        </a:xfrm>
-      </p:grpSpPr>
-      <p:sp>
-        <p:nvSpPr>
-          <p:cNvPr id="2" name="Title 1">
-            <a:extLst>
-              <a:ext uri="{FF2B5EF4-FFF2-40B4-BE49-F238E27FC236}">
-                <a16:creationId xmlns:a16="http://schemas.microsoft.com/office/drawing/2014/main" id="{237CC561-FAEB-4363-2375-DD85387D265F}"/>
-              </a:ext>
-            </a:extLst>
-          </p:cNvPr>
-          <p:cNvSpPr>
-            <a:spLocks noGrp="1"/>
-          </p:cNvSpPr>
-          <p:nvPr>
-            <p:ph type="title"/>
-          </p:nvPr>
-        </p:nvSpPr>
-        <p:spPr/>
-        <p:txBody>
-          <a:bodyPr/>
-          <a:lstStyle/>
-          <a:p>
-            <a:r>
-              <a:rPr lang="en-CA" dirty="0"/>
-              <a:t>Trapezoid Rule </a:t>
-            </a:r>
-          </a:p>
-        </p:txBody>
-      </p:sp>
-      <p:sp>
-        <p:nvSpPr>
-          <p:cNvPr id="3" name="Content Placeholder 2">
-            <a:extLst>
-              <a:ext uri="{FF2B5EF4-FFF2-40B4-BE49-F238E27FC236}">
-                <a16:creationId xmlns:a16="http://schemas.microsoft.com/office/drawing/2014/main" id="{ABBB3F28-2D9F-0562-B4AD-874BBC6350F4}"/>
-              </a:ext>
-            </a:extLst>
-          </p:cNvPr>
-          <p:cNvSpPr>
-            <a:spLocks noGrp="1"/>
-          </p:cNvSpPr>
-          <p:nvPr>
-            <p:ph idx="1"/>
-          </p:nvPr>
-        </p:nvSpPr>
-        <p:spPr/>
-        <p:txBody>
-          <a:bodyPr/>
-          <a:lstStyle/>
-          <a:p>
-            <a:r>
-              <a:rPr lang="en-CA" dirty="0"/>
-              <a:t>We approximate the area under a curve over a small interval as the area of a trapezoid.</a:t>
-            </a:r>
-          </a:p>
-        </p:txBody>
-      </p:sp>
-      <p:pic>
-        <p:nvPicPr>
-          <p:cNvPr id="4" name="Picture 3">
-            <a:extLst>
-              <a:ext uri="{FF2B5EF4-FFF2-40B4-BE49-F238E27FC236}">
-                <a16:creationId xmlns:a16="http://schemas.microsoft.com/office/drawing/2014/main" id="{9E470982-2E23-2D7E-4000-8BB9D17F1FB3}"/>
-              </a:ext>
-            </a:extLst>
-          </p:cNvPr>
-          <p:cNvPicPr>
-            <a:picLocks noChangeAspect="1"/>
-          </p:cNvPicPr>
-          <p:nvPr/>
-        </p:nvPicPr>
-        <p:blipFill>
-          <a:blip r:embed="rId2"/>
-          <a:stretch>
-            <a:fillRect/>
-          </a:stretch>
-        </p:blipFill>
-        <p:spPr>
-          <a:xfrm>
-            <a:off x="2002972" y="2949986"/>
-            <a:ext cx="7772400" cy="3361914"/>
-          </a:xfrm>
-          <a:prstGeom prst="rect">
-            <a:avLst/>
-          </a:prstGeom>
-        </p:spPr>
-      </p:pic>
-      <p:sp>
-        <p:nvSpPr>
-          <p:cNvPr id="5" name="TextBox 4">
-            <a:extLst>
-              <a:ext uri="{FF2B5EF4-FFF2-40B4-BE49-F238E27FC236}">
-                <a16:creationId xmlns:a16="http://schemas.microsoft.com/office/drawing/2014/main" id="{056F5269-5C4E-5CB1-5BE8-D53431BC5EA9}"/>
-              </a:ext>
-            </a:extLst>
-          </p:cNvPr>
-          <p:cNvSpPr txBox="1"/>
-          <p:nvPr/>
-        </p:nvSpPr>
-        <p:spPr>
-          <a:xfrm>
-            <a:off x="2906486" y="6477000"/>
-            <a:ext cx="1297856" cy="369332"/>
-          </a:xfrm>
-          <a:prstGeom prst="rect">
-            <a:avLst/>
-          </a:prstGeom>
-          <a:noFill/>
-        </p:spPr>
-        <p:txBody>
-          <a:bodyPr wrap="none" rtlCol="0">
-            <a:spAutoFit/>
-          </a:bodyPr>
-          <a:lstStyle/>
-          <a:p>
-            <a:r>
-              <a:rPr lang="en-CA" dirty="0"/>
-              <a:t>Rectangles</a:t>
-            </a:r>
-          </a:p>
-        </p:txBody>
-      </p:sp>
-      <p:sp>
-        <p:nvSpPr>
-          <p:cNvPr id="7" name="TextBox 6">
-            <a:extLst>
-              <a:ext uri="{FF2B5EF4-FFF2-40B4-BE49-F238E27FC236}">
-                <a16:creationId xmlns:a16="http://schemas.microsoft.com/office/drawing/2014/main" id="{3242580D-50B7-D550-4729-F727F903B365}"/>
-              </a:ext>
-            </a:extLst>
-          </p:cNvPr>
-          <p:cNvSpPr txBox="1"/>
-          <p:nvPr/>
-        </p:nvSpPr>
-        <p:spPr>
-          <a:xfrm>
-            <a:off x="6923315" y="6473372"/>
-            <a:ext cx="1297856" cy="369332"/>
-          </a:xfrm>
-          <a:prstGeom prst="rect">
-            <a:avLst/>
-          </a:prstGeom>
-          <a:noFill/>
-        </p:spPr>
-        <p:txBody>
-          <a:bodyPr wrap="square">
-            <a:spAutoFit/>
-          </a:bodyPr>
-          <a:lstStyle/>
-          <a:p>
-            <a:r>
-              <a:rPr lang="en-CA" dirty="0"/>
-              <a:t>Trapezoids</a:t>
-            </a:r>
-          </a:p>
-        </p:txBody>
-      </p:sp>
-    </p:spTree>
-    <p:extLst>
-      <p:ext uri="{BB962C8B-B14F-4D97-AF65-F5344CB8AC3E}">
-        <p14:creationId xmlns:p14="http://schemas.microsoft.com/office/powerpoint/2010/main" val="3988755585"/>
-      </p:ext>
-    </p:extLst>
-  </p:cSld>
-  <p:clrMapOvr>
-    <a:masterClrMapping/>
-  </p:clrMapOvr>
-</p:sld>
-</file>
-
-<file path=ppt/slides/slide6.xml><?xml version="1.0" encoding="utf-8"?>
-<p:sld xmlns:a="http://schemas.openxmlformats.org/drawingml/2006/main" xmlns:r="http://schemas.openxmlformats.org/officeDocument/2006/relationships" xmlns:p="http://schemas.openxmlformats.org/presentationml/2006/main">
-  <p:cSld>
-    <p:spTree>
-      <p:nvGrpSpPr>
-        <p:cNvPr id="1" name=""/>
-        <p:cNvGrpSpPr/>
-        <p:nvPr/>
-      </p:nvGrpSpPr>
-      <p:grpSpPr>
-        <a:xfrm>
-          <a:off x="0" y="0"/>
-          <a:ext cx="0" cy="0"/>
-          <a:chOff x="0" y="0"/>
-          <a:chExt cx="0" cy="0"/>
-        </a:xfrm>
-      </p:grpSpPr>
-      <p:pic>
-        <p:nvPicPr>
-          <p:cNvPr id="4" name="Picture 3">
-            <a:extLst>
-              <a:ext uri="{FF2B5EF4-FFF2-40B4-BE49-F238E27FC236}">
-                <a16:creationId xmlns:a16="http://schemas.microsoft.com/office/drawing/2014/main" id="{60848FD3-7EB0-4ABE-24AC-736E96F9D944}"/>
-              </a:ext>
-            </a:extLst>
-          </p:cNvPr>
-          <p:cNvPicPr>
-            <a:picLocks noChangeAspect="1"/>
-          </p:cNvPicPr>
-          <p:nvPr/>
-        </p:nvPicPr>
-        <p:blipFill>
-          <a:blip r:embed="rId2"/>
-          <a:stretch>
-            <a:fillRect/>
-          </a:stretch>
-        </p:blipFill>
-        <p:spPr>
-          <a:xfrm>
-            <a:off x="696686" y="301584"/>
-            <a:ext cx="7772400" cy="3127416"/>
-          </a:xfrm>
-          <a:prstGeom prst="rect">
-            <a:avLst/>
-          </a:prstGeom>
-        </p:spPr>
-      </p:pic>
-      <p:pic>
-        <p:nvPicPr>
-          <p:cNvPr id="5" name="Picture 4">
-            <a:extLst>
-              <a:ext uri="{FF2B5EF4-FFF2-40B4-BE49-F238E27FC236}">
-                <a16:creationId xmlns:a16="http://schemas.microsoft.com/office/drawing/2014/main" id="{E6ABCF22-2F6C-7149-D753-5E0F4102E266}"/>
-              </a:ext>
-            </a:extLst>
-          </p:cNvPr>
-          <p:cNvPicPr>
-            <a:picLocks noChangeAspect="1"/>
-          </p:cNvPicPr>
-          <p:nvPr/>
-        </p:nvPicPr>
-        <p:blipFill>
-          <a:blip r:embed="rId3"/>
-          <a:stretch>
-            <a:fillRect/>
-          </a:stretch>
-        </p:blipFill>
-        <p:spPr>
-          <a:xfrm>
-            <a:off x="696686" y="4000545"/>
-            <a:ext cx="7772400" cy="2122625"/>
-          </a:xfrm>
-          <a:prstGeom prst="rect">
-            <a:avLst/>
-          </a:prstGeom>
-        </p:spPr>
-      </p:pic>
-    </p:spTree>
-    <p:extLst>
-      <p:ext uri="{BB962C8B-B14F-4D97-AF65-F5344CB8AC3E}">
-        <p14:creationId xmlns:p14="http://schemas.microsoft.com/office/powerpoint/2010/main" val="4028492747"/>
-      </p:ext>
-    </p:extLst>
-  </p:cSld>
-  <p:clrMapOvr>
-    <a:masterClrMapping/>
-  </p:clrMapOvr>
-</p:sld>
-</file>
-
-<file path=ppt/slides/slide7.xml><?xml version="1.0" encoding="utf-8"?>
-<p:sld xmlns:a="http://schemas.openxmlformats.org/drawingml/2006/main" xmlns:r="http://schemas.openxmlformats.org/officeDocument/2006/relationships" xmlns:p="http://schemas.openxmlformats.org/presentationml/2006/main">
-  <p:cSld>
-    <p:spTree>
-      <p:nvGrpSpPr>
-        <p:cNvPr id="1" name=""/>
-        <p:cNvGrpSpPr/>
-        <p:nvPr/>
-      </p:nvGrpSpPr>
-      <p:grpSpPr>
-        <a:xfrm>
-          <a:off x="0" y="0"/>
-          <a:ext cx="0" cy="0"/>
-          <a:chOff x="0" y="0"/>
-          <a:chExt cx="0" cy="0"/>
-        </a:xfrm>
-      </p:grpSpPr>
-      <p:sp>
-        <p:nvSpPr>
-          <p:cNvPr id="2" name="Title 1">
-            <a:extLst>
-              <a:ext uri="{FF2B5EF4-FFF2-40B4-BE49-F238E27FC236}">
-                <a16:creationId xmlns:a16="http://schemas.microsoft.com/office/drawing/2014/main" id="{DE50887B-B22D-D9C5-3A72-2590B3C13FCD}"/>
-              </a:ext>
-            </a:extLst>
-          </p:cNvPr>
-          <p:cNvSpPr>
-            <a:spLocks noGrp="1"/>
-          </p:cNvSpPr>
-          <p:nvPr>
-            <p:ph type="title"/>
-          </p:nvPr>
-        </p:nvSpPr>
-        <p:spPr/>
-        <p:txBody>
-          <a:bodyPr/>
-          <a:lstStyle/>
-          <a:p>
-            <a:r>
-              <a:rPr lang="en-CA" b="1" dirty="0"/>
-              <a:t>Simpson's Rule</a:t>
-            </a:r>
-            <a:endParaRPr lang="en-CA" dirty="0"/>
-          </a:p>
-        </p:txBody>
-      </p:sp>
-      <p:sp>
-        <p:nvSpPr>
-          <p:cNvPr id="3" name="Content Placeholder 2">
-            <a:extLst>
-              <a:ext uri="{FF2B5EF4-FFF2-40B4-BE49-F238E27FC236}">
-                <a16:creationId xmlns:a16="http://schemas.microsoft.com/office/drawing/2014/main" id="{DB6E0641-F260-3BBB-E622-F54975CF307C}"/>
-              </a:ext>
-            </a:extLst>
-          </p:cNvPr>
-          <p:cNvSpPr>
-            <a:spLocks noGrp="1"/>
-          </p:cNvSpPr>
-          <p:nvPr>
-            <p:ph idx="1"/>
-          </p:nvPr>
-        </p:nvSpPr>
-        <p:spPr/>
-        <p:txBody>
-          <a:bodyPr/>
-          <a:lstStyle/>
-          <a:p>
-            <a:r>
-              <a:rPr lang="en-CA" dirty="0"/>
-              <a:t>If we can approximate a short piece of the curve with a parabola with equation </a:t>
-            </a:r>
-            <a:r>
-              <a:rPr lang="en-CA" dirty="0">
-                <a:effectLst/>
-              </a:rPr>
-              <a:t>y=ax^2+bx+c,</a:t>
-            </a:r>
-            <a:r>
-              <a:rPr lang="en-CA" dirty="0"/>
-              <a:t> we can easily compute the area under the parabola.</a:t>
-            </a:r>
-          </a:p>
-        </p:txBody>
-      </p:sp>
-      <p:pic>
-        <p:nvPicPr>
-          <p:cNvPr id="4" name="Picture 3">
-            <a:extLst>
-              <a:ext uri="{FF2B5EF4-FFF2-40B4-BE49-F238E27FC236}">
-                <a16:creationId xmlns:a16="http://schemas.microsoft.com/office/drawing/2014/main" id="{9E65F0B3-C386-D5A6-82E2-9D1F1E9EACCC}"/>
-              </a:ext>
-            </a:extLst>
-          </p:cNvPr>
-          <p:cNvPicPr>
-            <a:picLocks noChangeAspect="1"/>
-          </p:cNvPicPr>
-          <p:nvPr/>
-        </p:nvPicPr>
-        <p:blipFill>
-          <a:blip r:embed="rId2"/>
-          <a:stretch>
-            <a:fillRect/>
-          </a:stretch>
-        </p:blipFill>
-        <p:spPr>
-          <a:xfrm>
-            <a:off x="4202793" y="2993894"/>
-            <a:ext cx="4407807" cy="3498981"/>
-          </a:xfrm>
-          <a:prstGeom prst="rect">
-            <a:avLst/>
-          </a:prstGeom>
-        </p:spPr>
-      </p:pic>
-    </p:spTree>
-    <p:extLst>
-      <p:ext uri="{BB962C8B-B14F-4D97-AF65-F5344CB8AC3E}">
-        <p14:creationId xmlns:p14="http://schemas.microsoft.com/office/powerpoint/2010/main" val="3403884806"/>
-      </p:ext>
-    </p:extLst>
-  </p:cSld>
-  <p:clrMapOvr>
-    <a:masterClrMapping/>
-  </p:clrMapOvr>
-</p:sld>
-</file>
-
-<file path=ppt/slides/slide8.xml><?xml version="1.0" encoding="utf-8"?>
-<p:sld xmlns:a="http://schemas.openxmlformats.org/drawingml/2006/main" xmlns:r="http://schemas.openxmlformats.org/officeDocument/2006/relationships" xmlns:p="http://schemas.openxmlformats.org/presentationml/2006/main">
-  <p:cSld>
-    <p:spTree>
-      <p:nvGrpSpPr>
-        <p:cNvPr id="1" name=""/>
-        <p:cNvGrpSpPr/>
-        <p:nvPr/>
-      </p:nvGrpSpPr>
-      <p:grpSpPr>
-        <a:xfrm>
-          <a:off x="0" y="0"/>
-          <a:ext cx="0" cy="0"/>
-          <a:chOff x="0" y="0"/>
-          <a:chExt cx="0" cy="0"/>
-        </a:xfrm>
-      </p:grpSpPr>
-      <p:pic>
-        <p:nvPicPr>
-          <p:cNvPr id="5" name="Content Placeholder 4">
-            <a:extLst>
-              <a:ext uri="{FF2B5EF4-FFF2-40B4-BE49-F238E27FC236}">
-                <a16:creationId xmlns:a16="http://schemas.microsoft.com/office/drawing/2014/main" id="{8BE7BB7D-3AEC-5C64-2CE2-0DED83835DA6}"/>
-              </a:ext>
-            </a:extLst>
-          </p:cNvPr>
-          <p:cNvPicPr>
-            <a:picLocks noGrp="1" noChangeAspect="1"/>
-          </p:cNvPicPr>
-          <p:nvPr>
-            <p:ph idx="1"/>
-          </p:nvPr>
-        </p:nvPicPr>
-        <p:blipFill>
-          <a:blip r:embed="rId2"/>
-          <a:stretch>
-            <a:fillRect/>
-          </a:stretch>
-        </p:blipFill>
-        <p:spPr>
-          <a:xfrm>
-            <a:off x="740229" y="3821679"/>
-            <a:ext cx="9080500" cy="2514600"/>
-          </a:xfrm>
-          <a:prstGeom prst="rect">
-            <a:avLst/>
-          </a:prstGeom>
-        </p:spPr>
-      </p:pic>
-      <p:pic>
-        <p:nvPicPr>
-          <p:cNvPr id="4" name="Picture 3">
-            <a:extLst>
-              <a:ext uri="{FF2B5EF4-FFF2-40B4-BE49-F238E27FC236}">
-                <a16:creationId xmlns:a16="http://schemas.microsoft.com/office/drawing/2014/main" id="{4191A35F-9C57-3D58-F6EC-E4C585E0F997}"/>
-              </a:ext>
-            </a:extLst>
-          </p:cNvPr>
-          <p:cNvPicPr>
-            <a:picLocks noChangeAspect="1"/>
-          </p:cNvPicPr>
-          <p:nvPr/>
-        </p:nvPicPr>
-        <p:blipFill>
-          <a:blip r:embed="rId3"/>
-          <a:stretch>
-            <a:fillRect/>
-          </a:stretch>
-        </p:blipFill>
-        <p:spPr>
-          <a:xfrm>
-            <a:off x="740229" y="207262"/>
-            <a:ext cx="7772400" cy="3236725"/>
-          </a:xfrm>
-          <a:prstGeom prst="rect">
-            <a:avLst/>
-          </a:prstGeom>
-        </p:spPr>
-      </p:pic>
-    </p:spTree>
-    <p:extLst>
-      <p:ext uri="{BB962C8B-B14F-4D97-AF65-F5344CB8AC3E}">
-        <p14:creationId xmlns:p14="http://schemas.microsoft.com/office/powerpoint/2010/main" val="2984344068"/>
-      </p:ext>
-    </p:extLst>
-  </p:cSld>
-  <p:clrMapOvr>
-    <a:masterClrMapping/>
-  </p:clrMapOvr>
-</p:sld>
-</file>
-
-<file path=ppt/slides/slide9.xml><?xml version="1.0" encoding="utf-8"?>
-<p:sld xmlns:a="http://schemas.openxmlformats.org/drawingml/2006/main" xmlns:r="http://schemas.openxmlformats.org/officeDocument/2006/relationships" xmlns:p="http://schemas.openxmlformats.org/presentationml/2006/main">
-  <p:cSld>
-    <p:spTree>
-      <p:nvGrpSpPr>
-        <p:cNvPr id="1" name=""/>
-        <p:cNvGrpSpPr/>
-        <p:nvPr/>
-      </p:nvGrpSpPr>
-      <p:grpSpPr>
-        <a:xfrm>
-          <a:off x="0" y="0"/>
-          <a:ext cx="0" cy="0"/>
-          <a:chOff x="0" y="0"/>
-          <a:chExt cx="0" cy="0"/>
-        </a:xfrm>
-      </p:grpSpPr>
-      <p:sp>
-        <p:nvSpPr>
-          <p:cNvPr id="2" name="Title 1">
-            <a:extLst>
-              <a:ext uri="{FF2B5EF4-FFF2-40B4-BE49-F238E27FC236}">
-                <a16:creationId xmlns:a16="http://schemas.microsoft.com/office/drawing/2014/main" id="{853EC21F-CDFF-AD8B-B0E3-8E66C8BC2A79}"/>
-              </a:ext>
-            </a:extLst>
-          </p:cNvPr>
-          <p:cNvSpPr>
-            <a:spLocks noGrp="1"/>
-          </p:cNvSpPr>
-          <p:nvPr>
-            <p:ph type="title"/>
-          </p:nvPr>
-        </p:nvSpPr>
-        <p:spPr/>
-        <p:txBody>
-          <a:bodyPr>
-            <a:noAutofit/>
-          </a:bodyPr>
-          <a:lstStyle/>
-          <a:p>
-            <a:r>
-              <a:rPr lang="en-CA" sz="2800" dirty="0"/>
-              <a:t>Approximate the following integrals by computing the Trapezoid and Simpson approximations using 4 subintervals</a:t>
-            </a:r>
-          </a:p>
-        </p:txBody>
-      </p:sp>
-      <p:pic>
-        <p:nvPicPr>
-          <p:cNvPr id="4" name="Content Placeholder 3">
-            <a:extLst>
-              <a:ext uri="{FF2B5EF4-FFF2-40B4-BE49-F238E27FC236}">
-                <a16:creationId xmlns:a16="http://schemas.microsoft.com/office/drawing/2014/main" id="{6581DD67-9094-0B62-7801-111842B1185E}"/>
-              </a:ext>
-            </a:extLst>
-          </p:cNvPr>
-          <p:cNvPicPr>
-            <a:picLocks noGrp="1" noChangeAspect="1"/>
-          </p:cNvPicPr>
-          <p:nvPr>
-            <p:ph idx="1"/>
-          </p:nvPr>
-        </p:nvPicPr>
-        <p:blipFill>
-          <a:blip r:embed="rId2"/>
-          <a:stretch>
-            <a:fillRect/>
-          </a:stretch>
-        </p:blipFill>
-        <p:spPr>
-          <a:xfrm>
-            <a:off x="1453243" y="1758887"/>
-            <a:ext cx="1447800" cy="1143000"/>
-          </a:xfrm>
-          <a:prstGeom prst="rect">
-            <a:avLst/>
-          </a:prstGeom>
-        </p:spPr>
-      </p:pic>
-      <p:sp>
-        <p:nvSpPr>
-          <p:cNvPr id="5" name="TextBox 4">
-            <a:extLst>
-              <a:ext uri="{FF2B5EF4-FFF2-40B4-BE49-F238E27FC236}">
-                <a16:creationId xmlns:a16="http://schemas.microsoft.com/office/drawing/2014/main" id="{0C58B5BC-F66E-D5A4-96F8-41AB4E59D5BA}"/>
-              </a:ext>
-            </a:extLst>
-          </p:cNvPr>
-          <p:cNvSpPr txBox="1"/>
-          <p:nvPr/>
-        </p:nvSpPr>
-        <p:spPr>
-          <a:xfrm>
-            <a:off x="228599" y="3701144"/>
-            <a:ext cx="10798629" cy="369332"/>
-          </a:xfrm>
-          <a:prstGeom prst="rect">
-            <a:avLst/>
-          </a:prstGeom>
-          <a:noFill/>
-        </p:spPr>
-        <p:txBody>
-          <a:bodyPr wrap="square" rtlCol="0">
-            <a:spAutoFit/>
-          </a:bodyPr>
-          <a:lstStyle/>
-          <a:p>
-            <a:r>
-              <a:rPr lang="en-CA" dirty="0"/>
-              <a:t>Start using the trapezoid rule for 4 points </a:t>
-            </a:r>
-          </a:p>
-        </p:txBody>
-      </p:sp>
-      <p:pic>
-        <p:nvPicPr>
-          <p:cNvPr id="6" name="Picture 5">
-            <a:extLst>
-              <a:ext uri="{FF2B5EF4-FFF2-40B4-BE49-F238E27FC236}">
-                <a16:creationId xmlns:a16="http://schemas.microsoft.com/office/drawing/2014/main" id="{2B34EC27-964A-64A7-6B00-4AE9C4E68407}"/>
-              </a:ext>
-            </a:extLst>
-          </p:cNvPr>
-          <p:cNvPicPr>
-            <a:picLocks noChangeAspect="1"/>
-          </p:cNvPicPr>
-          <p:nvPr/>
-        </p:nvPicPr>
-        <p:blipFill>
-          <a:blip r:embed="rId3"/>
-          <a:stretch>
-            <a:fillRect/>
-          </a:stretch>
-        </p:blipFill>
-        <p:spPr>
-          <a:xfrm>
-            <a:off x="6096000" y="2432504"/>
-            <a:ext cx="5538529" cy="4060371"/>
-          </a:xfrm>
-          <a:prstGeom prst="rect">
-            <a:avLst/>
-          </a:prstGeom>
-        </p:spPr>
-      </p:pic>
-    </p:spTree>
-    <p:extLst>
-      <p:ext uri="{BB962C8B-B14F-4D97-AF65-F5344CB8AC3E}">
-        <p14:creationId xmlns:p14="http://schemas.microsoft.com/office/powerpoint/2010/main" val="2319733250"/>
+        <p14:creationId xmlns:p14="http://schemas.microsoft.com/office/powerpoint/2010/main" val="2345254731"/>
       </p:ext>
     </p:extLst>
   </p:cSld>
@@ -4937,34 +4198,11 @@
                                           </p:stCondLst>
                                         </p:cTn>
                                         <p:tgtEl>
-                                          <p:spTgt spid="2"/>
-                                        </p:tgtEl>
-                                        <p:attrNameLst>
-                                          <p:attrName>style.visibility</p:attrName>
-                                        </p:attrNameLst>
-                                      </p:cBhvr>
-                                      <p:to>
-                                        <p:strVal val="visible"/>
-                                      </p:to>
-                                    </p:set>
-                                  </p:childTnLst>
-                                </p:cTn>
-                              </p:par>
-                              <p:par>
-                                <p:cTn id="7" presetID="1" presetClass="entr" presetSubtype="0" fill="hold" nodeType="withEffect">
-                                  <p:stCondLst>
-                                    <p:cond delay="0"/>
-                                  </p:stCondLst>
-                                  <p:childTnLst>
-                                    <p:set>
-                                      <p:cBhvr>
-                                        <p:cTn id="8" dur="1" fill="hold">
-                                          <p:stCondLst>
-                                            <p:cond delay="0"/>
-                                          </p:stCondLst>
-                                        </p:cTn>
-                                        <p:tgtEl>
-                                          <p:spTgt spid="4"/>
+                                          <p:spTgt spid="3">
+                                            <p:txEl>
+                                              <p:pRg st="0" end="0"/>
+                                            </p:txEl>
+                                          </p:spTgt>
                                         </p:tgtEl>
                                         <p:attrNameLst>
                                           <p:attrName>style.visibility</p:attrName>
@@ -4984,26 +4222,26 @@
                     </p:cTn>
                   </p:par>
                   <p:par>
-                    <p:cTn id="9" fill="hold">
+                    <p:cTn id="7" fill="hold">
                       <p:stCondLst>
                         <p:cond delay="indefinite"/>
                       </p:stCondLst>
                       <p:childTnLst>
                         <p:par>
-                          <p:cTn id="10" fill="hold">
+                          <p:cTn id="8" fill="hold">
                             <p:stCondLst>
                               <p:cond delay="0"/>
                             </p:stCondLst>
                             <p:childTnLst>
                               <p:par>
-                                <p:cTn id="11" presetID="1" presetClass="entr" presetSubtype="0" fill="hold" grpId="0" nodeType="clickEffect">
+                                <p:cTn id="9" presetID="1" presetClass="entr" presetSubtype="0" fill="hold" nodeType="clickEffect">
                                   <p:stCondLst>
                                     <p:cond delay="0"/>
                                   </p:stCondLst>
                                   <p:childTnLst>
                                     <p:set>
                                       <p:cBhvr>
-                                        <p:cTn id="12" dur="1" fill="hold">
+                                        <p:cTn id="10" dur="1" fill="hold">
                                           <p:stCondLst>
                                             <p:cond delay="0"/>
                                           </p:stCondLst>
@@ -5023,14 +4261,14 @@
                                 </p:cTn>
                               </p:par>
                               <p:par>
-                                <p:cTn id="13" presetID="1" presetClass="entr" presetSubtype="0" fill="hold" nodeType="withEffect">
+                                <p:cTn id="11" presetID="1" presetClass="entr" presetSubtype="0" fill="hold" grpId="0" nodeType="withEffect">
                                   <p:stCondLst>
                                     <p:cond delay="0"/>
                                   </p:stCondLst>
                                   <p:childTnLst>
                                     <p:set>
                                       <p:cBhvr>
-                                        <p:cTn id="14" dur="1" fill="hold">
+                                        <p:cTn id="12" dur="1" fill="hold">
                                           <p:stCondLst>
                                             <p:cond delay="0"/>
                                           </p:stCondLst>
@@ -5077,7 +4315,1437 @@
       </p:par>
     </p:tnLst>
     <p:bldLst>
-      <p:bldP spid="2" grpId="0"/>
+      <p:bldP spid="3" grpId="0" build="p"/>
+      <p:bldP spid="6" grpId="0"/>
+    </p:bldLst>
+  </p:timing>
+</p:sld>
+</file>
+
+<file path=ppt/slides/slide4.xml><?xml version="1.0" encoding="utf-8"?>
+<p:sld xmlns:a="http://schemas.openxmlformats.org/drawingml/2006/main" xmlns:r="http://schemas.openxmlformats.org/officeDocument/2006/relationships" xmlns:p="http://schemas.openxmlformats.org/presentationml/2006/main">
+  <p:cSld>
+    <p:spTree>
+      <p:nvGrpSpPr>
+        <p:cNvPr id="1" name=""/>
+        <p:cNvGrpSpPr/>
+        <p:nvPr/>
+      </p:nvGrpSpPr>
+      <p:grpSpPr>
+        <a:xfrm>
+          <a:off x="0" y="0"/>
+          <a:ext cx="0" cy="0"/>
+          <a:chOff x="0" y="0"/>
+          <a:chExt cx="0" cy="0"/>
+        </a:xfrm>
+      </p:grpSpPr>
+      <p:pic>
+        <p:nvPicPr>
+          <p:cNvPr id="6" name="Picture 5">
+            <a:extLst>
+              <a:ext uri="{FF2B5EF4-FFF2-40B4-BE49-F238E27FC236}">
+                <a16:creationId xmlns:a16="http://schemas.microsoft.com/office/drawing/2014/main" id="{6EFFC3F6-7C27-E361-5517-7E262DC2BFEB}"/>
+              </a:ext>
+            </a:extLst>
+          </p:cNvPr>
+          <p:cNvPicPr>
+            <a:picLocks noChangeAspect="1"/>
+          </p:cNvPicPr>
+          <p:nvPr/>
+        </p:nvPicPr>
+        <p:blipFill>
+          <a:blip r:embed="rId2"/>
+          <a:stretch>
+            <a:fillRect/>
+          </a:stretch>
+        </p:blipFill>
+        <p:spPr>
+          <a:xfrm>
+            <a:off x="2622227" y="4470827"/>
+            <a:ext cx="6947546" cy="1901842"/>
+          </a:xfrm>
+          <a:prstGeom prst="rect">
+            <a:avLst/>
+          </a:prstGeom>
+        </p:spPr>
+      </p:pic>
+      <p:pic>
+        <p:nvPicPr>
+          <p:cNvPr id="2" name="Picture 1">
+            <a:extLst>
+              <a:ext uri="{FF2B5EF4-FFF2-40B4-BE49-F238E27FC236}">
+                <a16:creationId xmlns:a16="http://schemas.microsoft.com/office/drawing/2014/main" id="{70DD0E2F-A349-E9C0-71D1-D083A00DD586}"/>
+              </a:ext>
+            </a:extLst>
+          </p:cNvPr>
+          <p:cNvPicPr>
+            <a:picLocks noChangeAspect="1"/>
+          </p:cNvPicPr>
+          <p:nvPr/>
+        </p:nvPicPr>
+        <p:blipFill>
+          <a:blip r:embed="rId3"/>
+          <a:stretch>
+            <a:fillRect/>
+          </a:stretch>
+        </p:blipFill>
+        <p:spPr>
+          <a:xfrm>
+            <a:off x="2209800" y="667493"/>
+            <a:ext cx="7772400" cy="3217263"/>
+          </a:xfrm>
+          <a:prstGeom prst="rect">
+            <a:avLst/>
+          </a:prstGeom>
+        </p:spPr>
+      </p:pic>
+    </p:spTree>
+    <p:extLst>
+      <p:ext uri="{BB962C8B-B14F-4D97-AF65-F5344CB8AC3E}">
+        <p14:creationId xmlns:p14="http://schemas.microsoft.com/office/powerpoint/2010/main" val="1358513779"/>
+      </p:ext>
+    </p:extLst>
+  </p:cSld>
+  <p:clrMapOvr>
+    <a:masterClrMapping/>
+  </p:clrMapOvr>
+  <p:timing>
+    <p:tnLst>
+      <p:par>
+        <p:cTn id="1" dur="indefinite" restart="never" nodeType="tmRoot">
+          <p:childTnLst>
+            <p:seq concurrent="1" nextAc="seek">
+              <p:cTn id="2" dur="indefinite" nodeType="mainSeq">
+                <p:childTnLst>
+                  <p:par>
+                    <p:cTn id="3" fill="hold">
+                      <p:stCondLst>
+                        <p:cond delay="indefinite"/>
+                      </p:stCondLst>
+                      <p:childTnLst>
+                        <p:par>
+                          <p:cTn id="4" fill="hold">
+                            <p:stCondLst>
+                              <p:cond delay="0"/>
+                            </p:stCondLst>
+                            <p:childTnLst>
+                              <p:par>
+                                <p:cTn id="5" presetID="1" presetClass="entr" presetSubtype="0" fill="hold" nodeType="clickEffect">
+                                  <p:stCondLst>
+                                    <p:cond delay="0"/>
+                                  </p:stCondLst>
+                                  <p:childTnLst>
+                                    <p:set>
+                                      <p:cBhvr>
+                                        <p:cTn id="6" dur="1" fill="hold">
+                                          <p:stCondLst>
+                                            <p:cond delay="0"/>
+                                          </p:stCondLst>
+                                        </p:cTn>
+                                        <p:tgtEl>
+                                          <p:spTgt spid="6"/>
+                                        </p:tgtEl>
+                                        <p:attrNameLst>
+                                          <p:attrName>style.visibility</p:attrName>
+                                        </p:attrNameLst>
+                                      </p:cBhvr>
+                                      <p:to>
+                                        <p:strVal val="visible"/>
+                                      </p:to>
+                                    </p:set>
+                                  </p:childTnLst>
+                                </p:cTn>
+                              </p:par>
+                            </p:childTnLst>
+                          </p:cTn>
+                        </p:par>
+                      </p:childTnLst>
+                    </p:cTn>
+                  </p:par>
+                </p:childTnLst>
+              </p:cTn>
+              <p:prevCondLst>
+                <p:cond evt="onPrev" delay="0">
+                  <p:tgtEl>
+                    <p:sldTgt/>
+                  </p:tgtEl>
+                </p:cond>
+              </p:prevCondLst>
+              <p:nextCondLst>
+                <p:cond evt="onNext" delay="0">
+                  <p:tgtEl>
+                    <p:sldTgt/>
+                  </p:tgtEl>
+                </p:cond>
+              </p:nextCondLst>
+            </p:seq>
+          </p:childTnLst>
+        </p:cTn>
+      </p:par>
+    </p:tnLst>
+  </p:timing>
+</p:sld>
+</file>
+
+<file path=ppt/slides/slide5.xml><?xml version="1.0" encoding="utf-8"?>
+<p:sld xmlns:a="http://schemas.openxmlformats.org/drawingml/2006/main" xmlns:r="http://schemas.openxmlformats.org/officeDocument/2006/relationships" xmlns:p="http://schemas.openxmlformats.org/presentationml/2006/main">
+  <p:cSld>
+    <p:spTree>
+      <p:nvGrpSpPr>
+        <p:cNvPr id="1" name=""/>
+        <p:cNvGrpSpPr/>
+        <p:nvPr/>
+      </p:nvGrpSpPr>
+      <p:grpSpPr>
+        <a:xfrm>
+          <a:off x="0" y="0"/>
+          <a:ext cx="0" cy="0"/>
+          <a:chOff x="0" y="0"/>
+          <a:chExt cx="0" cy="0"/>
+        </a:xfrm>
+      </p:grpSpPr>
+      <p:sp>
+        <p:nvSpPr>
+          <p:cNvPr id="2" name="Title 1">
+            <a:extLst>
+              <a:ext uri="{FF2B5EF4-FFF2-40B4-BE49-F238E27FC236}">
+                <a16:creationId xmlns:a16="http://schemas.microsoft.com/office/drawing/2014/main" id="{237CC561-FAEB-4363-2375-DD85387D265F}"/>
+              </a:ext>
+            </a:extLst>
+          </p:cNvPr>
+          <p:cNvSpPr>
+            <a:spLocks noGrp="1"/>
+          </p:cNvSpPr>
+          <p:nvPr>
+            <p:ph type="title"/>
+          </p:nvPr>
+        </p:nvSpPr>
+        <p:spPr/>
+        <p:txBody>
+          <a:bodyPr/>
+          <a:lstStyle/>
+          <a:p>
+            <a:r>
+              <a:rPr lang="en-CA" dirty="0"/>
+              <a:t>Trapezoid Rule </a:t>
+            </a:r>
+          </a:p>
+        </p:txBody>
+      </p:sp>
+      <p:sp>
+        <p:nvSpPr>
+          <p:cNvPr id="3" name="Content Placeholder 2">
+            <a:extLst>
+              <a:ext uri="{FF2B5EF4-FFF2-40B4-BE49-F238E27FC236}">
+                <a16:creationId xmlns:a16="http://schemas.microsoft.com/office/drawing/2014/main" id="{ABBB3F28-2D9F-0562-B4AD-874BBC6350F4}"/>
+              </a:ext>
+            </a:extLst>
+          </p:cNvPr>
+          <p:cNvSpPr>
+            <a:spLocks noGrp="1"/>
+          </p:cNvSpPr>
+          <p:nvPr>
+            <p:ph idx="1"/>
+          </p:nvPr>
+        </p:nvSpPr>
+        <p:spPr/>
+        <p:txBody>
+          <a:bodyPr/>
+          <a:lstStyle/>
+          <a:p>
+            <a:r>
+              <a:rPr lang="en-CA" dirty="0"/>
+              <a:t>We approximate the area under a curve over a small interval as the area of a trapezoid.</a:t>
+            </a:r>
+          </a:p>
+        </p:txBody>
+      </p:sp>
+      <p:pic>
+        <p:nvPicPr>
+          <p:cNvPr id="4" name="Picture 3">
+            <a:extLst>
+              <a:ext uri="{FF2B5EF4-FFF2-40B4-BE49-F238E27FC236}">
+                <a16:creationId xmlns:a16="http://schemas.microsoft.com/office/drawing/2014/main" id="{9E470982-2E23-2D7E-4000-8BB9D17F1FB3}"/>
+              </a:ext>
+            </a:extLst>
+          </p:cNvPr>
+          <p:cNvPicPr>
+            <a:picLocks noChangeAspect="1"/>
+          </p:cNvPicPr>
+          <p:nvPr/>
+        </p:nvPicPr>
+        <p:blipFill>
+          <a:blip r:embed="rId2"/>
+          <a:stretch>
+            <a:fillRect/>
+          </a:stretch>
+        </p:blipFill>
+        <p:spPr>
+          <a:xfrm>
+            <a:off x="2002972" y="2949986"/>
+            <a:ext cx="7772400" cy="3361914"/>
+          </a:xfrm>
+          <a:prstGeom prst="rect">
+            <a:avLst/>
+          </a:prstGeom>
+        </p:spPr>
+      </p:pic>
+      <p:sp>
+        <p:nvSpPr>
+          <p:cNvPr id="5" name="TextBox 4">
+            <a:extLst>
+              <a:ext uri="{FF2B5EF4-FFF2-40B4-BE49-F238E27FC236}">
+                <a16:creationId xmlns:a16="http://schemas.microsoft.com/office/drawing/2014/main" id="{056F5269-5C4E-5CB1-5BE8-D53431BC5EA9}"/>
+              </a:ext>
+            </a:extLst>
+          </p:cNvPr>
+          <p:cNvSpPr txBox="1"/>
+          <p:nvPr/>
+        </p:nvSpPr>
+        <p:spPr>
+          <a:xfrm>
+            <a:off x="2906486" y="6477000"/>
+            <a:ext cx="1297856" cy="369332"/>
+          </a:xfrm>
+          <a:prstGeom prst="rect">
+            <a:avLst/>
+          </a:prstGeom>
+          <a:noFill/>
+        </p:spPr>
+        <p:txBody>
+          <a:bodyPr wrap="none" rtlCol="0">
+            <a:spAutoFit/>
+          </a:bodyPr>
+          <a:lstStyle/>
+          <a:p>
+            <a:r>
+              <a:rPr lang="en-CA" dirty="0"/>
+              <a:t>Rectangles</a:t>
+            </a:r>
+          </a:p>
+        </p:txBody>
+      </p:sp>
+      <p:sp>
+        <p:nvSpPr>
+          <p:cNvPr id="7" name="TextBox 6">
+            <a:extLst>
+              <a:ext uri="{FF2B5EF4-FFF2-40B4-BE49-F238E27FC236}">
+                <a16:creationId xmlns:a16="http://schemas.microsoft.com/office/drawing/2014/main" id="{3242580D-50B7-D550-4729-F727F903B365}"/>
+              </a:ext>
+            </a:extLst>
+          </p:cNvPr>
+          <p:cNvSpPr txBox="1"/>
+          <p:nvPr/>
+        </p:nvSpPr>
+        <p:spPr>
+          <a:xfrm>
+            <a:off x="6923315" y="6473372"/>
+            <a:ext cx="1297856" cy="369332"/>
+          </a:xfrm>
+          <a:prstGeom prst="rect">
+            <a:avLst/>
+          </a:prstGeom>
+          <a:noFill/>
+        </p:spPr>
+        <p:txBody>
+          <a:bodyPr wrap="square">
+            <a:spAutoFit/>
+          </a:bodyPr>
+          <a:lstStyle/>
+          <a:p>
+            <a:r>
+              <a:rPr lang="en-CA" dirty="0"/>
+              <a:t>Trapezoids</a:t>
+            </a:r>
+          </a:p>
+        </p:txBody>
+      </p:sp>
+    </p:spTree>
+    <p:extLst>
+      <p:ext uri="{BB962C8B-B14F-4D97-AF65-F5344CB8AC3E}">
+        <p14:creationId xmlns:p14="http://schemas.microsoft.com/office/powerpoint/2010/main" val="3988755585"/>
+      </p:ext>
+    </p:extLst>
+  </p:cSld>
+  <p:clrMapOvr>
+    <a:masterClrMapping/>
+  </p:clrMapOvr>
+  <p:timing>
+    <p:tnLst>
+      <p:par>
+        <p:cTn id="1" dur="indefinite" restart="never" nodeType="tmRoot">
+          <p:childTnLst>
+            <p:seq concurrent="1" nextAc="seek">
+              <p:cTn id="2" dur="indefinite" nodeType="mainSeq">
+                <p:childTnLst>
+                  <p:par>
+                    <p:cTn id="3" fill="hold">
+                      <p:stCondLst>
+                        <p:cond delay="indefinite"/>
+                      </p:stCondLst>
+                      <p:childTnLst>
+                        <p:par>
+                          <p:cTn id="4" fill="hold">
+                            <p:stCondLst>
+                              <p:cond delay="0"/>
+                            </p:stCondLst>
+                            <p:childTnLst>
+                              <p:par>
+                                <p:cTn id="5" presetID="1" presetClass="entr" presetSubtype="0" fill="hold" grpId="0" nodeType="clickEffect">
+                                  <p:stCondLst>
+                                    <p:cond delay="0"/>
+                                  </p:stCondLst>
+                                  <p:childTnLst>
+                                    <p:set>
+                                      <p:cBhvr>
+                                        <p:cTn id="6" dur="1" fill="hold">
+                                          <p:stCondLst>
+                                            <p:cond delay="0"/>
+                                          </p:stCondLst>
+                                        </p:cTn>
+                                        <p:tgtEl>
+                                          <p:spTgt spid="3">
+                                            <p:txEl>
+                                              <p:pRg st="0" end="0"/>
+                                            </p:txEl>
+                                          </p:spTgt>
+                                        </p:tgtEl>
+                                        <p:attrNameLst>
+                                          <p:attrName>style.visibility</p:attrName>
+                                        </p:attrNameLst>
+                                      </p:cBhvr>
+                                      <p:to>
+                                        <p:strVal val="visible"/>
+                                      </p:to>
+                                    </p:set>
+                                  </p:childTnLst>
+                                </p:cTn>
+                              </p:par>
+                            </p:childTnLst>
+                          </p:cTn>
+                        </p:par>
+                      </p:childTnLst>
+                    </p:cTn>
+                  </p:par>
+                  <p:par>
+                    <p:cTn id="7" fill="hold">
+                      <p:stCondLst>
+                        <p:cond delay="indefinite"/>
+                      </p:stCondLst>
+                      <p:childTnLst>
+                        <p:par>
+                          <p:cTn id="8" fill="hold">
+                            <p:stCondLst>
+                              <p:cond delay="0"/>
+                            </p:stCondLst>
+                            <p:childTnLst>
+                              <p:par>
+                                <p:cTn id="9" presetID="1" presetClass="entr" presetSubtype="0" fill="hold" nodeType="clickEffect">
+                                  <p:stCondLst>
+                                    <p:cond delay="0"/>
+                                  </p:stCondLst>
+                                  <p:childTnLst>
+                                    <p:set>
+                                      <p:cBhvr>
+                                        <p:cTn id="10" dur="1" fill="hold">
+                                          <p:stCondLst>
+                                            <p:cond delay="0"/>
+                                          </p:stCondLst>
+                                        </p:cTn>
+                                        <p:tgtEl>
+                                          <p:spTgt spid="4"/>
+                                        </p:tgtEl>
+                                        <p:attrNameLst>
+                                          <p:attrName>style.visibility</p:attrName>
+                                        </p:attrNameLst>
+                                      </p:cBhvr>
+                                      <p:to>
+                                        <p:strVal val="visible"/>
+                                      </p:to>
+                                    </p:set>
+                                  </p:childTnLst>
+                                </p:cTn>
+                              </p:par>
+                              <p:par>
+                                <p:cTn id="11" presetID="1" presetClass="entr" presetSubtype="0" fill="hold" grpId="0" nodeType="withEffect">
+                                  <p:stCondLst>
+                                    <p:cond delay="0"/>
+                                  </p:stCondLst>
+                                  <p:childTnLst>
+                                    <p:set>
+                                      <p:cBhvr>
+                                        <p:cTn id="12" dur="1" fill="hold">
+                                          <p:stCondLst>
+                                            <p:cond delay="0"/>
+                                          </p:stCondLst>
+                                        </p:cTn>
+                                        <p:tgtEl>
+                                          <p:spTgt spid="5"/>
+                                        </p:tgtEl>
+                                        <p:attrNameLst>
+                                          <p:attrName>style.visibility</p:attrName>
+                                        </p:attrNameLst>
+                                      </p:cBhvr>
+                                      <p:to>
+                                        <p:strVal val="visible"/>
+                                      </p:to>
+                                    </p:set>
+                                  </p:childTnLst>
+                                </p:cTn>
+                              </p:par>
+                              <p:par>
+                                <p:cTn id="13" presetID="1" presetClass="entr" presetSubtype="0" fill="hold" grpId="0" nodeType="withEffect">
+                                  <p:stCondLst>
+                                    <p:cond delay="0"/>
+                                  </p:stCondLst>
+                                  <p:childTnLst>
+                                    <p:set>
+                                      <p:cBhvr>
+                                        <p:cTn id="14" dur="1" fill="hold">
+                                          <p:stCondLst>
+                                            <p:cond delay="0"/>
+                                          </p:stCondLst>
+                                        </p:cTn>
+                                        <p:tgtEl>
+                                          <p:spTgt spid="7"/>
+                                        </p:tgtEl>
+                                        <p:attrNameLst>
+                                          <p:attrName>style.visibility</p:attrName>
+                                        </p:attrNameLst>
+                                      </p:cBhvr>
+                                      <p:to>
+                                        <p:strVal val="visible"/>
+                                      </p:to>
+                                    </p:set>
+                                  </p:childTnLst>
+                                </p:cTn>
+                              </p:par>
+                            </p:childTnLst>
+                          </p:cTn>
+                        </p:par>
+                      </p:childTnLst>
+                    </p:cTn>
+                  </p:par>
+                </p:childTnLst>
+              </p:cTn>
+              <p:prevCondLst>
+                <p:cond evt="onPrev" delay="0">
+                  <p:tgtEl>
+                    <p:sldTgt/>
+                  </p:tgtEl>
+                </p:cond>
+              </p:prevCondLst>
+              <p:nextCondLst>
+                <p:cond evt="onNext" delay="0">
+                  <p:tgtEl>
+                    <p:sldTgt/>
+                  </p:tgtEl>
+                </p:cond>
+              </p:nextCondLst>
+            </p:seq>
+          </p:childTnLst>
+        </p:cTn>
+      </p:par>
+    </p:tnLst>
+    <p:bldLst>
+      <p:bldP spid="3" grpId="0" build="p"/>
+      <p:bldP spid="5" grpId="0"/>
+      <p:bldP spid="7" grpId="0"/>
+    </p:bldLst>
+  </p:timing>
+</p:sld>
+</file>
+
+<file path=ppt/slides/slide6.xml><?xml version="1.0" encoding="utf-8"?>
+<p:sld xmlns:a="http://schemas.openxmlformats.org/drawingml/2006/main" xmlns:r="http://schemas.openxmlformats.org/officeDocument/2006/relationships" xmlns:p="http://schemas.openxmlformats.org/presentationml/2006/main">
+  <p:cSld>
+    <p:spTree>
+      <p:nvGrpSpPr>
+        <p:cNvPr id="1" name=""/>
+        <p:cNvGrpSpPr/>
+        <p:nvPr/>
+      </p:nvGrpSpPr>
+      <p:grpSpPr>
+        <a:xfrm>
+          <a:off x="0" y="0"/>
+          <a:ext cx="0" cy="0"/>
+          <a:chOff x="0" y="0"/>
+          <a:chExt cx="0" cy="0"/>
+        </a:xfrm>
+      </p:grpSpPr>
+      <p:pic>
+        <p:nvPicPr>
+          <p:cNvPr id="4" name="Picture 3">
+            <a:extLst>
+              <a:ext uri="{FF2B5EF4-FFF2-40B4-BE49-F238E27FC236}">
+                <a16:creationId xmlns:a16="http://schemas.microsoft.com/office/drawing/2014/main" id="{60848FD3-7EB0-4ABE-24AC-736E96F9D944}"/>
+              </a:ext>
+            </a:extLst>
+          </p:cNvPr>
+          <p:cNvPicPr>
+            <a:picLocks noChangeAspect="1"/>
+          </p:cNvPicPr>
+          <p:nvPr/>
+        </p:nvPicPr>
+        <p:blipFill>
+          <a:blip r:embed="rId2"/>
+          <a:stretch>
+            <a:fillRect/>
+          </a:stretch>
+        </p:blipFill>
+        <p:spPr>
+          <a:xfrm>
+            <a:off x="696686" y="301584"/>
+            <a:ext cx="7772400" cy="3127416"/>
+          </a:xfrm>
+          <a:prstGeom prst="rect">
+            <a:avLst/>
+          </a:prstGeom>
+        </p:spPr>
+      </p:pic>
+      <p:pic>
+        <p:nvPicPr>
+          <p:cNvPr id="5" name="Picture 4">
+            <a:extLst>
+              <a:ext uri="{FF2B5EF4-FFF2-40B4-BE49-F238E27FC236}">
+                <a16:creationId xmlns:a16="http://schemas.microsoft.com/office/drawing/2014/main" id="{E6ABCF22-2F6C-7149-D753-5E0F4102E266}"/>
+              </a:ext>
+            </a:extLst>
+          </p:cNvPr>
+          <p:cNvPicPr>
+            <a:picLocks noChangeAspect="1"/>
+          </p:cNvPicPr>
+          <p:nvPr/>
+        </p:nvPicPr>
+        <p:blipFill>
+          <a:blip r:embed="rId3"/>
+          <a:stretch>
+            <a:fillRect/>
+          </a:stretch>
+        </p:blipFill>
+        <p:spPr>
+          <a:xfrm>
+            <a:off x="696686" y="4000545"/>
+            <a:ext cx="7772400" cy="2122625"/>
+          </a:xfrm>
+          <a:prstGeom prst="rect">
+            <a:avLst/>
+          </a:prstGeom>
+        </p:spPr>
+      </p:pic>
+    </p:spTree>
+    <p:extLst>
+      <p:ext uri="{BB962C8B-B14F-4D97-AF65-F5344CB8AC3E}">
+        <p14:creationId xmlns:p14="http://schemas.microsoft.com/office/powerpoint/2010/main" val="4028492747"/>
+      </p:ext>
+    </p:extLst>
+  </p:cSld>
+  <p:clrMapOvr>
+    <a:masterClrMapping/>
+  </p:clrMapOvr>
+  <p:timing>
+    <p:tnLst>
+      <p:par>
+        <p:cTn id="1" dur="indefinite" restart="never" nodeType="tmRoot">
+          <p:childTnLst>
+            <p:seq concurrent="1" nextAc="seek">
+              <p:cTn id="2" dur="indefinite" nodeType="mainSeq">
+                <p:childTnLst>
+                  <p:par>
+                    <p:cTn id="3" fill="hold">
+                      <p:stCondLst>
+                        <p:cond delay="indefinite"/>
+                      </p:stCondLst>
+                      <p:childTnLst>
+                        <p:par>
+                          <p:cTn id="4" fill="hold">
+                            <p:stCondLst>
+                              <p:cond delay="0"/>
+                            </p:stCondLst>
+                            <p:childTnLst>
+                              <p:par>
+                                <p:cTn id="5" presetID="1" presetClass="entr" presetSubtype="0" fill="hold" nodeType="clickEffect">
+                                  <p:stCondLst>
+                                    <p:cond delay="0"/>
+                                  </p:stCondLst>
+                                  <p:childTnLst>
+                                    <p:set>
+                                      <p:cBhvr>
+                                        <p:cTn id="6" dur="1" fill="hold">
+                                          <p:stCondLst>
+                                            <p:cond delay="0"/>
+                                          </p:stCondLst>
+                                        </p:cTn>
+                                        <p:tgtEl>
+                                          <p:spTgt spid="5"/>
+                                        </p:tgtEl>
+                                        <p:attrNameLst>
+                                          <p:attrName>style.visibility</p:attrName>
+                                        </p:attrNameLst>
+                                      </p:cBhvr>
+                                      <p:to>
+                                        <p:strVal val="visible"/>
+                                      </p:to>
+                                    </p:set>
+                                  </p:childTnLst>
+                                </p:cTn>
+                              </p:par>
+                            </p:childTnLst>
+                          </p:cTn>
+                        </p:par>
+                      </p:childTnLst>
+                    </p:cTn>
+                  </p:par>
+                </p:childTnLst>
+              </p:cTn>
+              <p:prevCondLst>
+                <p:cond evt="onPrev" delay="0">
+                  <p:tgtEl>
+                    <p:sldTgt/>
+                  </p:tgtEl>
+                </p:cond>
+              </p:prevCondLst>
+              <p:nextCondLst>
+                <p:cond evt="onNext" delay="0">
+                  <p:tgtEl>
+                    <p:sldTgt/>
+                  </p:tgtEl>
+                </p:cond>
+              </p:nextCondLst>
+            </p:seq>
+          </p:childTnLst>
+        </p:cTn>
+      </p:par>
+    </p:tnLst>
+  </p:timing>
+</p:sld>
+</file>
+
+<file path=ppt/slides/slide7.xml><?xml version="1.0" encoding="utf-8"?>
+<p:sld xmlns:a="http://schemas.openxmlformats.org/drawingml/2006/main" xmlns:r="http://schemas.openxmlformats.org/officeDocument/2006/relationships" xmlns:p="http://schemas.openxmlformats.org/presentationml/2006/main">
+  <p:cSld>
+    <p:spTree>
+      <p:nvGrpSpPr>
+        <p:cNvPr id="1" name=""/>
+        <p:cNvGrpSpPr/>
+        <p:nvPr/>
+      </p:nvGrpSpPr>
+      <p:grpSpPr>
+        <a:xfrm>
+          <a:off x="0" y="0"/>
+          <a:ext cx="0" cy="0"/>
+          <a:chOff x="0" y="0"/>
+          <a:chExt cx="0" cy="0"/>
+        </a:xfrm>
+      </p:grpSpPr>
+      <p:sp>
+        <p:nvSpPr>
+          <p:cNvPr id="2" name="Title 1">
+            <a:extLst>
+              <a:ext uri="{FF2B5EF4-FFF2-40B4-BE49-F238E27FC236}">
+                <a16:creationId xmlns:a16="http://schemas.microsoft.com/office/drawing/2014/main" id="{DE50887B-B22D-D9C5-3A72-2590B3C13FCD}"/>
+              </a:ext>
+            </a:extLst>
+          </p:cNvPr>
+          <p:cNvSpPr>
+            <a:spLocks noGrp="1"/>
+          </p:cNvSpPr>
+          <p:nvPr>
+            <p:ph type="title"/>
+          </p:nvPr>
+        </p:nvSpPr>
+        <p:spPr/>
+        <p:txBody>
+          <a:bodyPr/>
+          <a:lstStyle/>
+          <a:p>
+            <a:r>
+              <a:rPr lang="en-CA" b="1" dirty="0"/>
+              <a:t>Simpson's Rule</a:t>
+            </a:r>
+            <a:endParaRPr lang="en-CA" dirty="0"/>
+          </a:p>
+        </p:txBody>
+      </p:sp>
+      <p:sp>
+        <p:nvSpPr>
+          <p:cNvPr id="3" name="Content Placeholder 2">
+            <a:extLst>
+              <a:ext uri="{FF2B5EF4-FFF2-40B4-BE49-F238E27FC236}">
+                <a16:creationId xmlns:a16="http://schemas.microsoft.com/office/drawing/2014/main" id="{DB6E0641-F260-3BBB-E622-F54975CF307C}"/>
+              </a:ext>
+            </a:extLst>
+          </p:cNvPr>
+          <p:cNvSpPr>
+            <a:spLocks noGrp="1"/>
+          </p:cNvSpPr>
+          <p:nvPr>
+            <p:ph idx="1"/>
+          </p:nvPr>
+        </p:nvSpPr>
+        <p:spPr/>
+        <p:txBody>
+          <a:bodyPr/>
+          <a:lstStyle/>
+          <a:p>
+            <a:r>
+              <a:rPr lang="en-CA" dirty="0"/>
+              <a:t>If we can approximate a short piece of the curve with a parabola with equation </a:t>
+            </a:r>
+            <a:r>
+              <a:rPr lang="en-CA" dirty="0">
+                <a:effectLst/>
+              </a:rPr>
+              <a:t>y=ax^2+bx+c,</a:t>
+            </a:r>
+            <a:r>
+              <a:rPr lang="en-CA" dirty="0"/>
+              <a:t> we can easily compute the area under the parabola.</a:t>
+            </a:r>
+          </a:p>
+        </p:txBody>
+      </p:sp>
+      <p:pic>
+        <p:nvPicPr>
+          <p:cNvPr id="4" name="Picture 3">
+            <a:extLst>
+              <a:ext uri="{FF2B5EF4-FFF2-40B4-BE49-F238E27FC236}">
+                <a16:creationId xmlns:a16="http://schemas.microsoft.com/office/drawing/2014/main" id="{9E65F0B3-C386-D5A6-82E2-9D1F1E9EACCC}"/>
+              </a:ext>
+            </a:extLst>
+          </p:cNvPr>
+          <p:cNvPicPr>
+            <a:picLocks noChangeAspect="1"/>
+          </p:cNvPicPr>
+          <p:nvPr/>
+        </p:nvPicPr>
+        <p:blipFill>
+          <a:blip r:embed="rId2"/>
+          <a:stretch>
+            <a:fillRect/>
+          </a:stretch>
+        </p:blipFill>
+        <p:spPr>
+          <a:xfrm>
+            <a:off x="4202793" y="2993894"/>
+            <a:ext cx="4407807" cy="3498981"/>
+          </a:xfrm>
+          <a:prstGeom prst="rect">
+            <a:avLst/>
+          </a:prstGeom>
+        </p:spPr>
+      </p:pic>
+    </p:spTree>
+    <p:extLst>
+      <p:ext uri="{BB962C8B-B14F-4D97-AF65-F5344CB8AC3E}">
+        <p14:creationId xmlns:p14="http://schemas.microsoft.com/office/powerpoint/2010/main" val="3403884806"/>
+      </p:ext>
+    </p:extLst>
+  </p:cSld>
+  <p:clrMapOvr>
+    <a:masterClrMapping/>
+  </p:clrMapOvr>
+  <p:timing>
+    <p:tnLst>
+      <p:par>
+        <p:cTn id="1" dur="indefinite" restart="never" nodeType="tmRoot">
+          <p:childTnLst>
+            <p:seq concurrent="1" nextAc="seek">
+              <p:cTn id="2" dur="indefinite" nodeType="mainSeq">
+                <p:childTnLst>
+                  <p:par>
+                    <p:cTn id="3" fill="hold">
+                      <p:stCondLst>
+                        <p:cond delay="indefinite"/>
+                      </p:stCondLst>
+                      <p:childTnLst>
+                        <p:par>
+                          <p:cTn id="4" fill="hold">
+                            <p:stCondLst>
+                              <p:cond delay="0"/>
+                            </p:stCondLst>
+                            <p:childTnLst>
+                              <p:par>
+                                <p:cTn id="5" presetID="1" presetClass="entr" presetSubtype="0" fill="hold" grpId="0" nodeType="clickEffect">
+                                  <p:stCondLst>
+                                    <p:cond delay="0"/>
+                                  </p:stCondLst>
+                                  <p:childTnLst>
+                                    <p:set>
+                                      <p:cBhvr>
+                                        <p:cTn id="6" dur="1" fill="hold">
+                                          <p:stCondLst>
+                                            <p:cond delay="0"/>
+                                          </p:stCondLst>
+                                        </p:cTn>
+                                        <p:tgtEl>
+                                          <p:spTgt spid="3">
+                                            <p:txEl>
+                                              <p:pRg st="0" end="0"/>
+                                            </p:txEl>
+                                          </p:spTgt>
+                                        </p:tgtEl>
+                                        <p:attrNameLst>
+                                          <p:attrName>style.visibility</p:attrName>
+                                        </p:attrNameLst>
+                                      </p:cBhvr>
+                                      <p:to>
+                                        <p:strVal val="visible"/>
+                                      </p:to>
+                                    </p:set>
+                                  </p:childTnLst>
+                                </p:cTn>
+                              </p:par>
+                            </p:childTnLst>
+                          </p:cTn>
+                        </p:par>
+                      </p:childTnLst>
+                    </p:cTn>
+                  </p:par>
+                  <p:par>
+                    <p:cTn id="7" fill="hold">
+                      <p:stCondLst>
+                        <p:cond delay="indefinite"/>
+                      </p:stCondLst>
+                      <p:childTnLst>
+                        <p:par>
+                          <p:cTn id="8" fill="hold">
+                            <p:stCondLst>
+                              <p:cond delay="0"/>
+                            </p:stCondLst>
+                            <p:childTnLst>
+                              <p:par>
+                                <p:cTn id="9" presetID="1" presetClass="entr" presetSubtype="0" fill="hold" nodeType="clickEffect">
+                                  <p:stCondLst>
+                                    <p:cond delay="0"/>
+                                  </p:stCondLst>
+                                  <p:childTnLst>
+                                    <p:set>
+                                      <p:cBhvr>
+                                        <p:cTn id="10" dur="1" fill="hold">
+                                          <p:stCondLst>
+                                            <p:cond delay="0"/>
+                                          </p:stCondLst>
+                                        </p:cTn>
+                                        <p:tgtEl>
+                                          <p:spTgt spid="4"/>
+                                        </p:tgtEl>
+                                        <p:attrNameLst>
+                                          <p:attrName>style.visibility</p:attrName>
+                                        </p:attrNameLst>
+                                      </p:cBhvr>
+                                      <p:to>
+                                        <p:strVal val="visible"/>
+                                      </p:to>
+                                    </p:set>
+                                  </p:childTnLst>
+                                </p:cTn>
+                              </p:par>
+                            </p:childTnLst>
+                          </p:cTn>
+                        </p:par>
+                      </p:childTnLst>
+                    </p:cTn>
+                  </p:par>
+                </p:childTnLst>
+              </p:cTn>
+              <p:prevCondLst>
+                <p:cond evt="onPrev" delay="0">
+                  <p:tgtEl>
+                    <p:sldTgt/>
+                  </p:tgtEl>
+                </p:cond>
+              </p:prevCondLst>
+              <p:nextCondLst>
+                <p:cond evt="onNext" delay="0">
+                  <p:tgtEl>
+                    <p:sldTgt/>
+                  </p:tgtEl>
+                </p:cond>
+              </p:nextCondLst>
+            </p:seq>
+          </p:childTnLst>
+        </p:cTn>
+      </p:par>
+    </p:tnLst>
+    <p:bldLst>
+      <p:bldP spid="3" grpId="0" build="p"/>
+    </p:bldLst>
+  </p:timing>
+</p:sld>
+</file>
+
+<file path=ppt/slides/slide8.xml><?xml version="1.0" encoding="utf-8"?>
+<p:sld xmlns:a="http://schemas.openxmlformats.org/drawingml/2006/main" xmlns:r="http://schemas.openxmlformats.org/officeDocument/2006/relationships" xmlns:p="http://schemas.openxmlformats.org/presentationml/2006/main">
+  <p:cSld>
+    <p:spTree>
+      <p:nvGrpSpPr>
+        <p:cNvPr id="1" name=""/>
+        <p:cNvGrpSpPr/>
+        <p:nvPr/>
+      </p:nvGrpSpPr>
+      <p:grpSpPr>
+        <a:xfrm>
+          <a:off x="0" y="0"/>
+          <a:ext cx="0" cy="0"/>
+          <a:chOff x="0" y="0"/>
+          <a:chExt cx="0" cy="0"/>
+        </a:xfrm>
+      </p:grpSpPr>
+      <p:pic>
+        <p:nvPicPr>
+          <p:cNvPr id="5" name="Content Placeholder 4">
+            <a:extLst>
+              <a:ext uri="{FF2B5EF4-FFF2-40B4-BE49-F238E27FC236}">
+                <a16:creationId xmlns:a16="http://schemas.microsoft.com/office/drawing/2014/main" id="{8BE7BB7D-3AEC-5C64-2CE2-0DED83835DA6}"/>
+              </a:ext>
+            </a:extLst>
+          </p:cNvPr>
+          <p:cNvPicPr>
+            <a:picLocks noGrp="1" noChangeAspect="1"/>
+          </p:cNvPicPr>
+          <p:nvPr>
+            <p:ph idx="1"/>
+          </p:nvPr>
+        </p:nvPicPr>
+        <p:blipFill>
+          <a:blip r:embed="rId2"/>
+          <a:stretch>
+            <a:fillRect/>
+          </a:stretch>
+        </p:blipFill>
+        <p:spPr>
+          <a:xfrm>
+            <a:off x="740229" y="3821679"/>
+            <a:ext cx="9080500" cy="2514600"/>
+          </a:xfrm>
+          <a:prstGeom prst="rect">
+            <a:avLst/>
+          </a:prstGeom>
+        </p:spPr>
+      </p:pic>
+      <p:pic>
+        <p:nvPicPr>
+          <p:cNvPr id="4" name="Picture 3">
+            <a:extLst>
+              <a:ext uri="{FF2B5EF4-FFF2-40B4-BE49-F238E27FC236}">
+                <a16:creationId xmlns:a16="http://schemas.microsoft.com/office/drawing/2014/main" id="{4191A35F-9C57-3D58-F6EC-E4C585E0F997}"/>
+              </a:ext>
+            </a:extLst>
+          </p:cNvPr>
+          <p:cNvPicPr>
+            <a:picLocks noChangeAspect="1"/>
+          </p:cNvPicPr>
+          <p:nvPr/>
+        </p:nvPicPr>
+        <p:blipFill>
+          <a:blip r:embed="rId3"/>
+          <a:stretch>
+            <a:fillRect/>
+          </a:stretch>
+        </p:blipFill>
+        <p:spPr>
+          <a:xfrm>
+            <a:off x="740229" y="207262"/>
+            <a:ext cx="7772400" cy="3236725"/>
+          </a:xfrm>
+          <a:prstGeom prst="rect">
+            <a:avLst/>
+          </a:prstGeom>
+        </p:spPr>
+      </p:pic>
+    </p:spTree>
+    <p:extLst>
+      <p:ext uri="{BB962C8B-B14F-4D97-AF65-F5344CB8AC3E}">
+        <p14:creationId xmlns:p14="http://schemas.microsoft.com/office/powerpoint/2010/main" val="2984344068"/>
+      </p:ext>
+    </p:extLst>
+  </p:cSld>
+  <p:clrMapOvr>
+    <a:masterClrMapping/>
+  </p:clrMapOvr>
+  <p:timing>
+    <p:tnLst>
+      <p:par>
+        <p:cTn id="1" dur="indefinite" restart="never" nodeType="tmRoot">
+          <p:childTnLst>
+            <p:seq concurrent="1" nextAc="seek">
+              <p:cTn id="2" dur="indefinite" nodeType="mainSeq">
+                <p:childTnLst>
+                  <p:par>
+                    <p:cTn id="3" fill="hold">
+                      <p:stCondLst>
+                        <p:cond delay="indefinite"/>
+                      </p:stCondLst>
+                      <p:childTnLst>
+                        <p:par>
+                          <p:cTn id="4" fill="hold">
+                            <p:stCondLst>
+                              <p:cond delay="0"/>
+                            </p:stCondLst>
+                            <p:childTnLst>
+                              <p:par>
+                                <p:cTn id="5" presetID="1" presetClass="entr" presetSubtype="0" fill="hold" nodeType="clickEffect">
+                                  <p:stCondLst>
+                                    <p:cond delay="0"/>
+                                  </p:stCondLst>
+                                  <p:childTnLst>
+                                    <p:set>
+                                      <p:cBhvr>
+                                        <p:cTn id="6" dur="1" fill="hold">
+                                          <p:stCondLst>
+                                            <p:cond delay="0"/>
+                                          </p:stCondLst>
+                                        </p:cTn>
+                                        <p:tgtEl>
+                                          <p:spTgt spid="5"/>
+                                        </p:tgtEl>
+                                        <p:attrNameLst>
+                                          <p:attrName>style.visibility</p:attrName>
+                                        </p:attrNameLst>
+                                      </p:cBhvr>
+                                      <p:to>
+                                        <p:strVal val="visible"/>
+                                      </p:to>
+                                    </p:set>
+                                  </p:childTnLst>
+                                </p:cTn>
+                              </p:par>
+                            </p:childTnLst>
+                          </p:cTn>
+                        </p:par>
+                      </p:childTnLst>
+                    </p:cTn>
+                  </p:par>
+                </p:childTnLst>
+              </p:cTn>
+              <p:prevCondLst>
+                <p:cond evt="onPrev" delay="0">
+                  <p:tgtEl>
+                    <p:sldTgt/>
+                  </p:tgtEl>
+                </p:cond>
+              </p:prevCondLst>
+              <p:nextCondLst>
+                <p:cond evt="onNext" delay="0">
+                  <p:tgtEl>
+                    <p:sldTgt/>
+                  </p:tgtEl>
+                </p:cond>
+              </p:nextCondLst>
+            </p:seq>
+          </p:childTnLst>
+        </p:cTn>
+      </p:par>
+    </p:tnLst>
+  </p:timing>
+</p:sld>
+</file>
+
+<file path=ppt/slides/slide9.xml><?xml version="1.0" encoding="utf-8"?>
+<p:sld xmlns:a="http://schemas.openxmlformats.org/drawingml/2006/main" xmlns:r="http://schemas.openxmlformats.org/officeDocument/2006/relationships" xmlns:p="http://schemas.openxmlformats.org/presentationml/2006/main">
+  <p:cSld>
+    <p:spTree>
+      <p:nvGrpSpPr>
+        <p:cNvPr id="1" name=""/>
+        <p:cNvGrpSpPr/>
+        <p:nvPr/>
+      </p:nvGrpSpPr>
+      <p:grpSpPr>
+        <a:xfrm>
+          <a:off x="0" y="0"/>
+          <a:ext cx="0" cy="0"/>
+          <a:chOff x="0" y="0"/>
+          <a:chExt cx="0" cy="0"/>
+        </a:xfrm>
+      </p:grpSpPr>
+      <p:sp>
+        <p:nvSpPr>
+          <p:cNvPr id="2" name="Title 1">
+            <a:extLst>
+              <a:ext uri="{FF2B5EF4-FFF2-40B4-BE49-F238E27FC236}">
+                <a16:creationId xmlns:a16="http://schemas.microsoft.com/office/drawing/2014/main" id="{853EC21F-CDFF-AD8B-B0E3-8E66C8BC2A79}"/>
+              </a:ext>
+            </a:extLst>
+          </p:cNvPr>
+          <p:cNvSpPr>
+            <a:spLocks noGrp="1"/>
+          </p:cNvSpPr>
+          <p:nvPr>
+            <p:ph type="title"/>
+          </p:nvPr>
+        </p:nvSpPr>
+        <p:spPr/>
+        <p:txBody>
+          <a:bodyPr>
+            <a:noAutofit/>
+          </a:bodyPr>
+          <a:lstStyle/>
+          <a:p>
+            <a:r>
+              <a:rPr lang="en-CA" sz="2800" dirty="0"/>
+              <a:t>Approximate the following integral by computing the Trapezoid and Simpson approximations using 4 subintervals</a:t>
+            </a:r>
+          </a:p>
+        </p:txBody>
+      </p:sp>
+      <p:pic>
+        <p:nvPicPr>
+          <p:cNvPr id="4" name="Content Placeholder 3">
+            <a:extLst>
+              <a:ext uri="{FF2B5EF4-FFF2-40B4-BE49-F238E27FC236}">
+                <a16:creationId xmlns:a16="http://schemas.microsoft.com/office/drawing/2014/main" id="{6581DD67-9094-0B62-7801-111842B1185E}"/>
+              </a:ext>
+            </a:extLst>
+          </p:cNvPr>
+          <p:cNvPicPr>
+            <a:picLocks noGrp="1" noChangeAspect="1"/>
+          </p:cNvPicPr>
+          <p:nvPr>
+            <p:ph idx="1"/>
+          </p:nvPr>
+        </p:nvPicPr>
+        <p:blipFill>
+          <a:blip r:embed="rId2"/>
+          <a:stretch>
+            <a:fillRect/>
+          </a:stretch>
+        </p:blipFill>
+        <p:spPr>
+          <a:xfrm>
+            <a:off x="1453243" y="1758887"/>
+            <a:ext cx="1447800" cy="1143000"/>
+          </a:xfrm>
+          <a:prstGeom prst="rect">
+            <a:avLst/>
+          </a:prstGeom>
+        </p:spPr>
+      </p:pic>
+      <p:sp>
+        <p:nvSpPr>
+          <p:cNvPr id="5" name="TextBox 4">
+            <a:extLst>
+              <a:ext uri="{FF2B5EF4-FFF2-40B4-BE49-F238E27FC236}">
+                <a16:creationId xmlns:a16="http://schemas.microsoft.com/office/drawing/2014/main" id="{0C58B5BC-F66E-D5A4-96F8-41AB4E59D5BA}"/>
+              </a:ext>
+            </a:extLst>
+          </p:cNvPr>
+          <p:cNvSpPr txBox="1"/>
+          <p:nvPr/>
+        </p:nvSpPr>
+        <p:spPr>
+          <a:xfrm>
+            <a:off x="228599" y="3701144"/>
+            <a:ext cx="10798629" cy="369332"/>
+          </a:xfrm>
+          <a:prstGeom prst="rect">
+            <a:avLst/>
+          </a:prstGeom>
+          <a:noFill/>
+        </p:spPr>
+        <p:txBody>
+          <a:bodyPr wrap="square" rtlCol="0">
+            <a:spAutoFit/>
+          </a:bodyPr>
+          <a:lstStyle/>
+          <a:p>
+            <a:r>
+              <a:rPr lang="en-CA" dirty="0"/>
+              <a:t>Start using the trapezoid rule for 4 points </a:t>
+            </a:r>
+          </a:p>
+        </p:txBody>
+      </p:sp>
+      <p:pic>
+        <p:nvPicPr>
+          <p:cNvPr id="6" name="Picture 5">
+            <a:extLst>
+              <a:ext uri="{FF2B5EF4-FFF2-40B4-BE49-F238E27FC236}">
+                <a16:creationId xmlns:a16="http://schemas.microsoft.com/office/drawing/2014/main" id="{2B34EC27-964A-64A7-6B00-4AE9C4E68407}"/>
+              </a:ext>
+            </a:extLst>
+          </p:cNvPr>
+          <p:cNvPicPr>
+            <a:picLocks noChangeAspect="1"/>
+          </p:cNvPicPr>
+          <p:nvPr/>
+        </p:nvPicPr>
+        <p:blipFill>
+          <a:blip r:embed="rId3"/>
+          <a:stretch>
+            <a:fillRect/>
+          </a:stretch>
+        </p:blipFill>
+        <p:spPr>
+          <a:xfrm>
+            <a:off x="6096000" y="2432504"/>
+            <a:ext cx="5538529" cy="4060371"/>
+          </a:xfrm>
+          <a:prstGeom prst="rect">
+            <a:avLst/>
+          </a:prstGeom>
+        </p:spPr>
+      </p:pic>
+    </p:spTree>
+    <p:extLst>
+      <p:ext uri="{BB962C8B-B14F-4D97-AF65-F5344CB8AC3E}">
+        <p14:creationId xmlns:p14="http://schemas.microsoft.com/office/powerpoint/2010/main" val="2319733250"/>
+      </p:ext>
+    </p:extLst>
+  </p:cSld>
+  <p:clrMapOvr>
+    <a:masterClrMapping/>
+  </p:clrMapOvr>
+  <p:timing>
+    <p:tnLst>
+      <p:par>
+        <p:cTn id="1" dur="indefinite" restart="never" nodeType="tmRoot">
+          <p:childTnLst>
+            <p:seq concurrent="1" nextAc="seek">
+              <p:cTn id="2" dur="indefinite" nodeType="mainSeq">
+                <p:childTnLst>
+                  <p:par>
+                    <p:cTn id="3" fill="hold">
+                      <p:stCondLst>
+                        <p:cond delay="indefinite"/>
+                        <p:cond evt="onBegin" delay="0">
+                          <p:tn val="2"/>
+                        </p:cond>
+                      </p:stCondLst>
+                      <p:childTnLst>
+                        <p:par>
+                          <p:cTn id="4" fill="hold">
+                            <p:stCondLst>
+                              <p:cond delay="0"/>
+                            </p:stCondLst>
+                            <p:childTnLst>
+                              <p:par>
+                                <p:cTn id="5" presetID="1" presetClass="entr" presetSubtype="0" fill="hold" nodeType="withEffect">
+                                  <p:stCondLst>
+                                    <p:cond delay="0"/>
+                                  </p:stCondLst>
+                                  <p:childTnLst>
+                                    <p:set>
+                                      <p:cBhvr>
+                                        <p:cTn id="6" dur="1" fill="hold">
+                                          <p:stCondLst>
+                                            <p:cond delay="0"/>
+                                          </p:stCondLst>
+                                        </p:cTn>
+                                        <p:tgtEl>
+                                          <p:spTgt spid="4"/>
+                                        </p:tgtEl>
+                                        <p:attrNameLst>
+                                          <p:attrName>style.visibility</p:attrName>
+                                        </p:attrNameLst>
+                                      </p:cBhvr>
+                                      <p:to>
+                                        <p:strVal val="visible"/>
+                                      </p:to>
+                                    </p:set>
+                                  </p:childTnLst>
+                                </p:cTn>
+                              </p:par>
+                            </p:childTnLst>
+                          </p:cTn>
+                        </p:par>
+                      </p:childTnLst>
+                    </p:cTn>
+                  </p:par>
+                  <p:par>
+                    <p:cTn id="7" fill="hold">
+                      <p:stCondLst>
+                        <p:cond delay="indefinite"/>
+                      </p:stCondLst>
+                      <p:childTnLst>
+                        <p:par>
+                          <p:cTn id="8" fill="hold">
+                            <p:stCondLst>
+                              <p:cond delay="0"/>
+                            </p:stCondLst>
+                            <p:childTnLst>
+                              <p:par>
+                                <p:cTn id="9" presetID="1" presetClass="entr" presetSubtype="0" fill="hold" grpId="0" nodeType="clickEffect">
+                                  <p:stCondLst>
+                                    <p:cond delay="0"/>
+                                  </p:stCondLst>
+                                  <p:childTnLst>
+                                    <p:set>
+                                      <p:cBhvr>
+                                        <p:cTn id="10" dur="1" fill="hold">
+                                          <p:stCondLst>
+                                            <p:cond delay="0"/>
+                                          </p:stCondLst>
+                                        </p:cTn>
+                                        <p:tgtEl>
+                                          <p:spTgt spid="5"/>
+                                        </p:tgtEl>
+                                        <p:attrNameLst>
+                                          <p:attrName>style.visibility</p:attrName>
+                                        </p:attrNameLst>
+                                      </p:cBhvr>
+                                      <p:to>
+                                        <p:strVal val="visible"/>
+                                      </p:to>
+                                    </p:set>
+                                  </p:childTnLst>
+                                </p:cTn>
+                              </p:par>
+                              <p:par>
+                                <p:cTn id="11" presetID="1" presetClass="entr" presetSubtype="0" fill="hold" nodeType="withEffect">
+                                  <p:stCondLst>
+                                    <p:cond delay="0"/>
+                                  </p:stCondLst>
+                                  <p:childTnLst>
+                                    <p:set>
+                                      <p:cBhvr>
+                                        <p:cTn id="12" dur="1" fill="hold">
+                                          <p:stCondLst>
+                                            <p:cond delay="0"/>
+                                          </p:stCondLst>
+                                        </p:cTn>
+                                        <p:tgtEl>
+                                          <p:spTgt spid="6"/>
+                                        </p:tgtEl>
+                                        <p:attrNameLst>
+                                          <p:attrName>style.visibility</p:attrName>
+                                        </p:attrNameLst>
+                                      </p:cBhvr>
+                                      <p:to>
+                                        <p:strVal val="visible"/>
+                                      </p:to>
+                                    </p:set>
+                                  </p:childTnLst>
+                                </p:cTn>
+                              </p:par>
+                            </p:childTnLst>
+                          </p:cTn>
+                        </p:par>
+                      </p:childTnLst>
+                    </p:cTn>
+                  </p:par>
+                </p:childTnLst>
+              </p:cTn>
+              <p:prevCondLst>
+                <p:cond evt="onPrev" delay="0">
+                  <p:tgtEl>
+                    <p:sldTgt/>
+                  </p:tgtEl>
+                </p:cond>
+              </p:prevCondLst>
+              <p:nextCondLst>
+                <p:cond evt="onNext" delay="0">
+                  <p:tgtEl>
+                    <p:sldTgt/>
+                  </p:tgtEl>
+                </p:cond>
+              </p:nextCondLst>
+            </p:seq>
+          </p:childTnLst>
+        </p:cTn>
+      </p:par>
+    </p:tnLst>
+    <p:bldLst>
       <p:bldP spid="5" grpId="0"/>
     </p:bldLst>
   </p:timing>
